--- a/vcr.pptx
+++ b/vcr.pptx
@@ -3666,6 +3666,13 @@
   <p:clrMapOvr>
     <a:overrideClrMapping bg1="lt1" tx1="dk1" bg2="lt2" tx2="dk2" accent1="accent1" accent2="accent2" accent3="accent3" accent4="accent4" accent5="accent5" accent6="accent6" hlink="hlink" folHlink="folHlink"/>
   </p:clrMapOvr>
+  <p:timing>
+    <p:tnLst>
+      <p:par>
+        <p:cTn id="1" dur="indefinite" restart="never" nodeType="tmRoot"/>
+      </p:par>
+    </p:tnLst>
+  </p:timing>
 </p:sld>
 </file>
 
@@ -5740,7 +5747,7 @@
             </a:r>
             <a:r>
               <a:rPr lang="it-IT" dirty="0" smtClean="0"/>
-              <a:t>97 </a:t>
+              <a:t>97.65 </a:t>
             </a:r>
             <a:r>
               <a:rPr lang="it-IT" dirty="0" smtClean="0"/>
